--- a/Reflection/Reflection.pptx
+++ b/Reflection/Reflection.pptx
@@ -5,27 +5,28 @@
     <p:sldMasterId id="2147483648" r:id="rId4"/>
   </p:sldMasterIdLst>
   <p:notesMasterIdLst>
-    <p:notesMasterId r:id="rId23"/>
+    <p:notesMasterId r:id="rId24"/>
   </p:notesMasterIdLst>
   <p:sldIdLst>
     <p:sldId id="256" r:id="rId5"/>
     <p:sldId id="291" r:id="rId6"/>
     <p:sldId id="259" r:id="rId7"/>
     <p:sldId id="292" r:id="rId8"/>
-    <p:sldId id="293" r:id="rId9"/>
-    <p:sldId id="294" r:id="rId10"/>
-    <p:sldId id="295" r:id="rId11"/>
-    <p:sldId id="296" r:id="rId12"/>
-    <p:sldId id="298" r:id="rId13"/>
-    <p:sldId id="299" r:id="rId14"/>
-    <p:sldId id="300" r:id="rId15"/>
-    <p:sldId id="297" r:id="rId16"/>
-    <p:sldId id="301" r:id="rId17"/>
-    <p:sldId id="302" r:id="rId18"/>
-    <p:sldId id="303" r:id="rId19"/>
-    <p:sldId id="304" r:id="rId20"/>
-    <p:sldId id="305" r:id="rId21"/>
-    <p:sldId id="290" r:id="rId22"/>
+    <p:sldId id="306" r:id="rId9"/>
+    <p:sldId id="293" r:id="rId10"/>
+    <p:sldId id="294" r:id="rId11"/>
+    <p:sldId id="295" r:id="rId12"/>
+    <p:sldId id="296" r:id="rId13"/>
+    <p:sldId id="298" r:id="rId14"/>
+    <p:sldId id="299" r:id="rId15"/>
+    <p:sldId id="300" r:id="rId16"/>
+    <p:sldId id="297" r:id="rId17"/>
+    <p:sldId id="301" r:id="rId18"/>
+    <p:sldId id="302" r:id="rId19"/>
+    <p:sldId id="303" r:id="rId20"/>
+    <p:sldId id="304" r:id="rId21"/>
+    <p:sldId id="305" r:id="rId22"/>
+    <p:sldId id="290" r:id="rId23"/>
   </p:sldIdLst>
   <p:sldSz cx="9144000" cy="6858000" type="screen4x3"/>
   <p:notesSz cx="6858000" cy="9144000"/>
@@ -2887,37 +2888,7 @@
                 <a:latin typeface="Arial"/>
                 <a:cs typeface="Arial"/>
               </a:rPr>
-              <a:t>Mihai </a:t>
-            </a:r>
-            <a:r>
-              <a:rPr lang="en-US" sz="1600" dirty="0" smtClean="0">
-                <a:solidFill>
-                  <a:srgbClr val="FFFFFF"/>
-                </a:solidFill>
-                <a:latin typeface="Arial"/>
-                <a:cs typeface="Arial"/>
-              </a:rPr>
-              <a:t>TUDORACHE</a:t>
-            </a:r>
-            <a:r>
-              <a:rPr lang="en-US" sz="1600" dirty="0" smtClean="0">
-                <a:solidFill>
-                  <a:srgbClr val="FFFFFF"/>
-                </a:solidFill>
-                <a:latin typeface="Arial"/>
-                <a:cs typeface="Arial"/>
-              </a:rPr>
-              <a:t>	  								     Diana </a:t>
-            </a:r>
-            <a:r>
-              <a:rPr lang="en-US" sz="1600" dirty="0" smtClean="0">
-                <a:solidFill>
-                  <a:srgbClr val="FFFFFF"/>
-                </a:solidFill>
-                <a:latin typeface="Arial"/>
-                <a:cs typeface="Arial"/>
-              </a:rPr>
-              <a:t>DIACONU</a:t>
+              <a:t>Mihai TUDORACHE	  								     Diana DIACONU</a:t>
             </a:r>
             <a:endParaRPr lang="en-US" sz="1600" dirty="0">
               <a:solidFill>
@@ -2950,6 +2921,412 @@
 </file>
 
 <file path=ppt/slides/slide10.xml><?xml version="1.0" encoding="utf-8"?>
+<p:sld xmlns:a="http://schemas.openxmlformats.org/drawingml/2006/main" xmlns:r="http://schemas.openxmlformats.org/officeDocument/2006/relationships" xmlns:p="http://schemas.openxmlformats.org/presentationml/2006/main">
+  <p:cSld>
+    <p:spTree>
+      <p:nvGrpSpPr>
+        <p:cNvPr id="1" name=""/>
+        <p:cNvGrpSpPr/>
+        <p:nvPr/>
+      </p:nvGrpSpPr>
+      <p:grpSpPr>
+        <a:xfrm>
+          <a:off x="0" y="0"/>
+          <a:ext cx="0" cy="0"/>
+          <a:chOff x="0" y="0"/>
+          <a:chExt cx="0" cy="0"/>
+        </a:xfrm>
+      </p:grpSpPr>
+      <p:sp>
+        <p:nvSpPr>
+          <p:cNvPr id="4" name="Title 3"/>
+          <p:cNvSpPr>
+            <a:spLocks noGrp="1"/>
+          </p:cNvSpPr>
+          <p:nvPr>
+            <p:ph type="title"/>
+          </p:nvPr>
+        </p:nvSpPr>
+        <p:spPr/>
+        <p:txBody>
+          <a:bodyPr>
+            <a:normAutofit fontScale="90000"/>
+          </a:bodyPr>
+          <a:lstStyle/>
+          <a:p>
+            <a:r>
+              <a:rPr lang="ro-RO" dirty="0" smtClean="0"/>
+              <a:t>Discovering Class Members</a:t>
+            </a:r>
+            <a:r>
+              <a:rPr lang="en-US" dirty="0" smtClean="0"/>
+              <a:t/>
+            </a:r>
+            <a:br>
+              <a:rPr lang="en-US" dirty="0" smtClean="0"/>
+            </a:br>
+            <a:r>
+              <a:rPr lang="en-US" sz="2000" dirty="0" smtClean="0"/>
+              <a:t>Class Methods for Locating Fields</a:t>
+            </a:r>
+            <a:endParaRPr lang="ro-RO" sz="2000" dirty="0"/>
+          </a:p>
+        </p:txBody>
+      </p:sp>
+      <p:graphicFrame>
+        <p:nvGraphicFramePr>
+          <p:cNvPr id="6" name="Content Placeholder 5"/>
+          <p:cNvGraphicFramePr>
+            <a:graphicFrameLocks noGrp="1"/>
+          </p:cNvGraphicFramePr>
+          <p:nvPr>
+            <p:ph idx="1"/>
+          </p:nvPr>
+        </p:nvGraphicFramePr>
+        <p:xfrm>
+          <a:off x="720725" y="2208810"/>
+          <a:ext cx="7704140" cy="2286000"/>
+        </p:xfrm>
+        <a:graphic>
+          <a:graphicData uri="http://schemas.openxmlformats.org/drawingml/2006/table">
+            <a:tbl>
+              <a:tblPr firstRow="1" bandRow="1">
+                <a:tableStyleId>{5C22544A-7EE6-4342-B048-85BDC9FD1C3A}</a:tableStyleId>
+              </a:tblPr>
+              <a:tblGrid>
+                <a:gridCol w="2509363"/>
+                <a:gridCol w="1710047"/>
+                <a:gridCol w="1757548"/>
+                <a:gridCol w="1727182"/>
+              </a:tblGrid>
+              <a:tr h="370840">
+                <a:tc>
+                  <a:txBody>
+                    <a:bodyPr/>
+                    <a:lstStyle/>
+                    <a:p>
+                      <a:r>
+                        <a:rPr lang="ro-RO" sz="2000" b="1" kern="1200" dirty="0">
+                          <a:solidFill>
+                            <a:schemeClr val="bg1"/>
+                          </a:solidFill>
+                          <a:latin typeface="+mn-lt"/>
+                          <a:ea typeface="+mn-ea"/>
+                          <a:cs typeface="+mn-cs"/>
+                          <a:hlinkClick r:id="rId2"/>
+                        </a:rPr>
+                        <a:t>Class</a:t>
+                      </a:r>
+                      <a:r>
+                        <a:rPr lang="ro-RO" sz="2000" dirty="0"/>
+                        <a:t> API</a:t>
+                      </a:r>
+                    </a:p>
+                  </a:txBody>
+                  <a:tcPr anchor="ctr"/>
+                </a:tc>
+                <a:tc>
+                  <a:txBody>
+                    <a:bodyPr/>
+                    <a:lstStyle/>
+                    <a:p>
+                      <a:r>
+                        <a:rPr lang="ro-RO" sz="2000" dirty="0"/>
+                        <a:t>List of members?</a:t>
+                      </a:r>
+                    </a:p>
+                  </a:txBody>
+                  <a:tcPr anchor="ctr"/>
+                </a:tc>
+                <a:tc>
+                  <a:txBody>
+                    <a:bodyPr/>
+                    <a:lstStyle/>
+                    <a:p>
+                      <a:r>
+                        <a:rPr lang="ro-RO" sz="2000" dirty="0"/>
+                        <a:t>Inherited members?</a:t>
+                      </a:r>
+                    </a:p>
+                  </a:txBody>
+                  <a:tcPr anchor="ctr"/>
+                </a:tc>
+                <a:tc>
+                  <a:txBody>
+                    <a:bodyPr/>
+                    <a:lstStyle/>
+                    <a:p>
+                      <a:r>
+                        <a:rPr lang="ro-RO" sz="2000" dirty="0"/>
+                        <a:t>Private members? </a:t>
+                      </a:r>
+                    </a:p>
+                  </a:txBody>
+                  <a:tcPr anchor="ctr"/>
+                </a:tc>
+              </a:tr>
+              <a:tr h="370840">
+                <a:tc>
+                  <a:txBody>
+                    <a:bodyPr/>
+                    <a:lstStyle/>
+                    <a:p>
+                      <a:r>
+                        <a:rPr lang="ro-RO" sz="2000" dirty="0">
+                          <a:hlinkClick r:id="rId2"/>
+                        </a:rPr>
+                        <a:t>getDeclaredField()</a:t>
+                      </a:r>
+                      <a:endParaRPr lang="ro-RO" sz="2000" dirty="0"/>
+                    </a:p>
+                  </a:txBody>
+                  <a:tcPr anchor="ctr"/>
+                </a:tc>
+                <a:tc>
+                  <a:txBody>
+                    <a:bodyPr/>
+                    <a:lstStyle/>
+                    <a:p>
+                      <a:pPr algn="ctr"/>
+                      <a:r>
+                        <a:rPr lang="ro-RO" sz="2000" dirty="0"/>
+                        <a:t>no</a:t>
+                      </a:r>
+                    </a:p>
+                  </a:txBody>
+                  <a:tcPr anchor="ctr"/>
+                </a:tc>
+                <a:tc>
+                  <a:txBody>
+                    <a:bodyPr/>
+                    <a:lstStyle/>
+                    <a:p>
+                      <a:pPr algn="ctr"/>
+                      <a:r>
+                        <a:rPr lang="ro-RO" sz="2000"/>
+                        <a:t>no</a:t>
+                      </a:r>
+                    </a:p>
+                  </a:txBody>
+                  <a:tcPr anchor="ctr"/>
+                </a:tc>
+                <a:tc>
+                  <a:txBody>
+                    <a:bodyPr/>
+                    <a:lstStyle/>
+                    <a:p>
+                      <a:pPr algn="ctr"/>
+                      <a:r>
+                        <a:rPr lang="ro-RO" sz="2000"/>
+                        <a:t>yes</a:t>
+                      </a:r>
+                    </a:p>
+                  </a:txBody>
+                  <a:tcPr anchor="ctr"/>
+                </a:tc>
+              </a:tr>
+              <a:tr h="370840">
+                <a:tc>
+                  <a:txBody>
+                    <a:bodyPr/>
+                    <a:lstStyle/>
+                    <a:p>
+                      <a:r>
+                        <a:rPr lang="ro-RO" sz="2000" dirty="0">
+                          <a:hlinkClick r:id="rId2"/>
+                        </a:rPr>
+                        <a:t>getField()</a:t>
+                      </a:r>
+                      <a:endParaRPr lang="ro-RO" sz="2000" dirty="0"/>
+                    </a:p>
+                  </a:txBody>
+                  <a:tcPr anchor="ctr"/>
+                </a:tc>
+                <a:tc>
+                  <a:txBody>
+                    <a:bodyPr/>
+                    <a:lstStyle/>
+                    <a:p>
+                      <a:pPr algn="ctr"/>
+                      <a:r>
+                        <a:rPr lang="ro-RO" sz="2000" dirty="0"/>
+                        <a:t>no</a:t>
+                      </a:r>
+                    </a:p>
+                  </a:txBody>
+                  <a:tcPr anchor="ctr"/>
+                </a:tc>
+                <a:tc>
+                  <a:txBody>
+                    <a:bodyPr/>
+                    <a:lstStyle/>
+                    <a:p>
+                      <a:pPr algn="ctr"/>
+                      <a:r>
+                        <a:rPr lang="ro-RO" sz="2000"/>
+                        <a:t>yes</a:t>
+                      </a:r>
+                    </a:p>
+                  </a:txBody>
+                  <a:tcPr anchor="ctr"/>
+                </a:tc>
+                <a:tc>
+                  <a:txBody>
+                    <a:bodyPr/>
+                    <a:lstStyle/>
+                    <a:p>
+                      <a:pPr algn="ctr"/>
+                      <a:r>
+                        <a:rPr lang="ro-RO" sz="2000"/>
+                        <a:t>no</a:t>
+                      </a:r>
+                    </a:p>
+                  </a:txBody>
+                  <a:tcPr anchor="ctr"/>
+                </a:tc>
+              </a:tr>
+              <a:tr h="370840">
+                <a:tc>
+                  <a:txBody>
+                    <a:bodyPr/>
+                    <a:lstStyle/>
+                    <a:p>
+                      <a:r>
+                        <a:rPr lang="ro-RO" sz="2000">
+                          <a:hlinkClick r:id="rId2"/>
+                        </a:rPr>
+                        <a:t>getDeclaredFields()</a:t>
+                      </a:r>
+                      <a:endParaRPr lang="ro-RO" sz="2000"/>
+                    </a:p>
+                  </a:txBody>
+                  <a:tcPr anchor="ctr"/>
+                </a:tc>
+                <a:tc>
+                  <a:txBody>
+                    <a:bodyPr/>
+                    <a:lstStyle/>
+                    <a:p>
+                      <a:pPr algn="ctr"/>
+                      <a:r>
+                        <a:rPr lang="ro-RO" sz="2000" dirty="0" smtClean="0"/>
+                        <a:t>Yes</a:t>
+                      </a:r>
+                      <a:endParaRPr lang="ro-RO" sz="2000" dirty="0"/>
+                    </a:p>
+                  </a:txBody>
+                  <a:tcPr anchor="ctr"/>
+                </a:tc>
+                <a:tc>
+                  <a:txBody>
+                    <a:bodyPr/>
+                    <a:lstStyle/>
+                    <a:p>
+                      <a:pPr algn="ctr"/>
+                      <a:r>
+                        <a:rPr lang="ro-RO" sz="2000" dirty="0"/>
+                        <a:t>no</a:t>
+                      </a:r>
+                    </a:p>
+                  </a:txBody>
+                  <a:tcPr anchor="ctr"/>
+                </a:tc>
+                <a:tc>
+                  <a:txBody>
+                    <a:bodyPr/>
+                    <a:lstStyle/>
+                    <a:p>
+                      <a:pPr algn="ctr"/>
+                      <a:r>
+                        <a:rPr lang="ro-RO" sz="2000" dirty="0"/>
+                        <a:t>yes</a:t>
+                      </a:r>
+                    </a:p>
+                  </a:txBody>
+                  <a:tcPr anchor="ctr"/>
+                </a:tc>
+              </a:tr>
+              <a:tr h="370840">
+                <a:tc>
+                  <a:txBody>
+                    <a:bodyPr/>
+                    <a:lstStyle/>
+                    <a:p>
+                      <a:r>
+                        <a:rPr lang="ro-RO" sz="2000" dirty="0">
+                          <a:hlinkClick r:id="rId2"/>
+                        </a:rPr>
+                        <a:t>getFields()</a:t>
+                      </a:r>
+                      <a:endParaRPr lang="ro-RO" sz="2000" dirty="0"/>
+                    </a:p>
+                  </a:txBody>
+                  <a:tcPr anchor="ctr"/>
+                </a:tc>
+                <a:tc>
+                  <a:txBody>
+                    <a:bodyPr/>
+                    <a:lstStyle/>
+                    <a:p>
+                      <a:pPr algn="ctr"/>
+                      <a:r>
+                        <a:rPr lang="ro-RO" sz="2000" dirty="0" smtClean="0"/>
+                        <a:t>Yes</a:t>
+                      </a:r>
+                      <a:endParaRPr lang="ro-RO" sz="2000" dirty="0"/>
+                    </a:p>
+                  </a:txBody>
+                  <a:tcPr anchor="ctr"/>
+                </a:tc>
+                <a:tc>
+                  <a:txBody>
+                    <a:bodyPr/>
+                    <a:lstStyle/>
+                    <a:p>
+                      <a:pPr algn="ctr"/>
+                      <a:r>
+                        <a:rPr lang="ro-RO" sz="2000"/>
+                        <a:t>yes</a:t>
+                      </a:r>
+                    </a:p>
+                  </a:txBody>
+                  <a:tcPr anchor="ctr"/>
+                </a:tc>
+                <a:tc>
+                  <a:txBody>
+                    <a:bodyPr/>
+                    <a:lstStyle/>
+                    <a:p>
+                      <a:pPr algn="ctr"/>
+                      <a:r>
+                        <a:rPr lang="ro-RO" sz="2000" dirty="0"/>
+                        <a:t>no</a:t>
+                      </a:r>
+                    </a:p>
+                  </a:txBody>
+                  <a:tcPr anchor="ctr"/>
+                </a:tc>
+              </a:tr>
+            </a:tbl>
+          </a:graphicData>
+        </a:graphic>
+      </p:graphicFrame>
+    </p:spTree>
+  </p:cSld>
+  <p:clrMapOvr>
+    <a:masterClrMapping/>
+  </p:clrMapOvr>
+  <p:timing>
+    <p:tnLst>
+      <p:par>
+        <p:cTn id="1" dur="indefinite" restart="never" nodeType="tmRoot"/>
+      </p:par>
+    </p:tnLst>
+  </p:timing>
+</p:sld>
+</file>
+
+<file path=ppt/slides/slide11.xml><?xml version="1.0" encoding="utf-8"?>
 <p:sld xmlns:a="http://schemas.openxmlformats.org/drawingml/2006/main" xmlns:r="http://schemas.openxmlformats.org/officeDocument/2006/relationships" xmlns:p="http://schemas.openxmlformats.org/presentationml/2006/main">
   <p:cSld>
     <p:spTree>
@@ -3340,7 +3717,7 @@
 </p:sld>
 </file>
 
-<file path=ppt/slides/slide11.xml><?xml version="1.0" encoding="utf-8"?>
+<file path=ppt/slides/slide12.xml><?xml version="1.0" encoding="utf-8"?>
 <p:sld xmlns:a="http://schemas.openxmlformats.org/drawingml/2006/main" xmlns:r="http://schemas.openxmlformats.org/officeDocument/2006/relationships" xmlns:p="http://schemas.openxmlformats.org/presentationml/2006/main">
   <p:cSld>
     <p:spTree>
@@ -3743,7 +4120,7 @@
 </p:sld>
 </file>
 
-<file path=ppt/slides/slide12.xml><?xml version="1.0" encoding="utf-8"?>
+<file path=ppt/slides/slide13.xml><?xml version="1.0" encoding="utf-8"?>
 <p:sld xmlns:a="http://schemas.openxmlformats.org/drawingml/2006/main" xmlns:r="http://schemas.openxmlformats.org/officeDocument/2006/relationships" xmlns:p="http://schemas.openxmlformats.org/presentationml/2006/main">
   <p:cSld>
     <p:spTree>
@@ -3821,7 +4198,7 @@
 </p:sld>
 </file>
 
-<file path=ppt/slides/slide13.xml><?xml version="1.0" encoding="utf-8"?>
+<file path=ppt/slides/slide14.xml><?xml version="1.0" encoding="utf-8"?>
 <p:sld xmlns:a="http://schemas.openxmlformats.org/drawingml/2006/main" xmlns:r="http://schemas.openxmlformats.org/officeDocument/2006/relationships" xmlns:p="http://schemas.openxmlformats.org/presentationml/2006/main">
   <p:cSld>
     <p:spTree>
@@ -3924,100 +4301,6 @@
           </a:p>
           <a:p>
             <a:endParaRPr lang="ro-RO" dirty="0"/>
-          </a:p>
-        </p:txBody>
-      </p:sp>
-    </p:spTree>
-  </p:cSld>
-  <p:clrMapOvr>
-    <a:masterClrMapping/>
-  </p:clrMapOvr>
-</p:sld>
-</file>
-
-<file path=ppt/slides/slide14.xml><?xml version="1.0" encoding="utf-8"?>
-<p:sld xmlns:a="http://schemas.openxmlformats.org/drawingml/2006/main" xmlns:r="http://schemas.openxmlformats.org/officeDocument/2006/relationships" xmlns:p="http://schemas.openxmlformats.org/presentationml/2006/main">
-  <p:cSld>
-    <p:spTree>
-      <p:nvGrpSpPr>
-        <p:cNvPr id="1" name=""/>
-        <p:cNvGrpSpPr/>
-        <p:nvPr/>
-      </p:nvGrpSpPr>
-      <p:grpSpPr>
-        <a:xfrm>
-          <a:off x="0" y="0"/>
-          <a:ext cx="0" cy="0"/>
-          <a:chOff x="0" y="0"/>
-          <a:chExt cx="0" cy="0"/>
-        </a:xfrm>
-      </p:grpSpPr>
-      <p:sp>
-        <p:nvSpPr>
-          <p:cNvPr id="2" name="Title 1"/>
-          <p:cNvSpPr>
-            <a:spLocks noGrp="1"/>
-          </p:cNvSpPr>
-          <p:nvPr>
-            <p:ph type="title"/>
-          </p:nvPr>
-        </p:nvSpPr>
-        <p:spPr/>
-        <p:txBody>
-          <a:bodyPr/>
-          <a:lstStyle/>
-          <a:p>
-            <a:r>
-              <a:rPr lang="en-US" dirty="0" smtClean="0"/>
-              <a:t>Annotations</a:t>
-            </a:r>
-            <a:endParaRPr lang="ro-RO" dirty="0"/>
-          </a:p>
-        </p:txBody>
-      </p:sp>
-      <p:sp>
-        <p:nvSpPr>
-          <p:cNvPr id="3" name="Content Placeholder 2"/>
-          <p:cNvSpPr>
-            <a:spLocks noGrp="1"/>
-          </p:cNvSpPr>
-          <p:nvPr>
-            <p:ph idx="1"/>
-          </p:nvPr>
-        </p:nvSpPr>
-        <p:spPr/>
-        <p:txBody>
-          <a:bodyPr/>
-          <a:lstStyle/>
-          <a:p>
-            <a:r>
-              <a:rPr lang="en-US" sz="2800" b="1" dirty="0" smtClean="0"/>
-              <a:t>Information for the compiler</a:t>
-            </a:r>
-            <a:r>
-              <a:rPr lang="en-US" sz="2800" dirty="0" smtClean="0"/>
-              <a:t> — Annotations can be used by the compiler to detect errors or suppress warnings.</a:t>
-            </a:r>
-          </a:p>
-          <a:p>
-            <a:r>
-              <a:rPr lang="en-US" sz="2800" b="1" dirty="0" smtClean="0"/>
-              <a:t>Compile-time and deployment-time processing</a:t>
-            </a:r>
-            <a:r>
-              <a:rPr lang="en-US" sz="2800" dirty="0" smtClean="0"/>
-              <a:t> — Software tools can process annotation information to generate code, XML files, and so forth.</a:t>
-            </a:r>
-          </a:p>
-          <a:p>
-            <a:r>
-              <a:rPr lang="en-US" sz="2800" b="1" dirty="0" smtClean="0"/>
-              <a:t>Runtime processing</a:t>
-            </a:r>
-            <a:r>
-              <a:rPr lang="en-US" sz="2800" dirty="0" smtClean="0"/>
-              <a:t> — Some annotations are available to be examined at runtime.</a:t>
-            </a:r>
           </a:p>
         </p:txBody>
       </p:sp>
@@ -4058,12 +4341,18 @@
         </p:nvSpPr>
         <p:spPr/>
         <p:txBody>
-          <a:bodyPr/>
+          <a:bodyPr>
+            <a:normAutofit fontScale="90000"/>
+          </a:bodyPr>
           <a:lstStyle/>
           <a:p>
             <a:r>
               <a:rPr lang="en-US" dirty="0" smtClean="0"/>
-              <a:t>Annotations</a:t>
+              <a:t>Annotations - </a:t>
+            </a:r>
+            <a:r>
+              <a:rPr lang="en-US" sz="3200" dirty="0" err="1" smtClean="0"/>
+              <a:t>RetentionPolicy</a:t>
             </a:r>
             <a:endParaRPr lang="ro-RO" dirty="0"/>
           </a:p>
@@ -4081,42 +4370,42 @@
         </p:nvSpPr>
         <p:spPr/>
         <p:txBody>
-          <a:bodyPr/>
+          <a:bodyPr>
+            <a:normAutofit/>
+          </a:bodyPr>
           <a:lstStyle/>
           <a:p>
             <a:r>
-              <a:rPr lang="ro-RO" sz="2800" b="1" dirty="0" smtClean="0"/>
-              <a:t>Class Annotations</a:t>
-            </a:r>
-            <a:endParaRPr lang="en-US" sz="2800" b="1" dirty="0" smtClean="0"/>
-          </a:p>
-          <a:p>
-            <a:endParaRPr lang="ro-RO" sz="2800" b="1" dirty="0" smtClean="0"/>
-          </a:p>
-          <a:p>
-            <a:r>
-              <a:rPr lang="ro-RO" sz="2800" b="1" dirty="0" smtClean="0"/>
-              <a:t>Method Annotations</a:t>
-            </a:r>
-            <a:endParaRPr lang="en-US" sz="2800" b="1" dirty="0" smtClean="0"/>
-          </a:p>
-          <a:p>
-            <a:endParaRPr lang="ro-RO" sz="2800" b="1" dirty="0" smtClean="0"/>
-          </a:p>
-          <a:p>
-            <a:r>
-              <a:rPr lang="ro-RO" sz="2800" b="1" dirty="0" smtClean="0"/>
-              <a:t>Parameter Annotations</a:t>
-            </a:r>
-            <a:endParaRPr lang="en-US" sz="2800" b="1" dirty="0" smtClean="0"/>
-          </a:p>
-          <a:p>
-            <a:endParaRPr lang="en-US" sz="2800" b="1" dirty="0" smtClean="0"/>
-          </a:p>
-          <a:p>
-            <a:r>
-              <a:rPr lang="ro-RO" sz="2800" b="1" dirty="0" smtClean="0"/>
-              <a:t>Field Annotations</a:t>
+              <a:rPr lang="en-US" sz="2800" b="1" dirty="0" smtClean="0"/>
+              <a:t>Information </a:t>
+            </a:r>
+            <a:r>
+              <a:rPr lang="en-US" sz="2800" b="1" dirty="0" smtClean="0"/>
+              <a:t>for the compiler</a:t>
+            </a:r>
+            <a:r>
+              <a:rPr lang="en-US" sz="2800" dirty="0" smtClean="0"/>
+              <a:t> — Annotations can be used by the compiler to detect errors or suppress warnings.</a:t>
+            </a:r>
+          </a:p>
+          <a:p>
+            <a:r>
+              <a:rPr lang="en-US" sz="2800" b="1" dirty="0" smtClean="0"/>
+              <a:t>Compile-time and deployment-time processing</a:t>
+            </a:r>
+            <a:r>
+              <a:rPr lang="en-US" sz="2800" dirty="0" smtClean="0"/>
+              <a:t> — Software tools can process annotation information to generate code, XML files, and so forth.</a:t>
+            </a:r>
+          </a:p>
+          <a:p>
+            <a:r>
+              <a:rPr lang="en-US" sz="2800" b="1" dirty="0" smtClean="0"/>
+              <a:t>Runtime processing</a:t>
+            </a:r>
+            <a:r>
+              <a:rPr lang="en-US" sz="2800" dirty="0" smtClean="0"/>
+              <a:t> — Some annotations are available to be examined at runtime.</a:t>
             </a:r>
           </a:p>
         </p:txBody>
@@ -4163,7 +4452,7 @@
           <a:p>
             <a:r>
               <a:rPr lang="en-US" dirty="0" smtClean="0"/>
-              <a:t>Annotations - example</a:t>
+              <a:t>Annotations</a:t>
             </a:r>
             <a:endParaRPr lang="ro-RO" dirty="0"/>
           </a:p>
@@ -4184,173 +4473,40 @@
           <a:bodyPr/>
           <a:lstStyle/>
           <a:p>
-            <a:pPr>
-              <a:buNone/>
-            </a:pPr>
-            <a:r>
-              <a:rPr lang="en-US" sz="2400" dirty="0" smtClean="0"/>
-              <a:t>@Retention(</a:t>
-            </a:r>
-            <a:r>
-              <a:rPr lang="en-US" sz="2400" dirty="0" err="1" smtClean="0"/>
-              <a:t>RetentionPolicy.RUNTIME</a:t>
-            </a:r>
-            <a:r>
-              <a:rPr lang="en-US" sz="2400" dirty="0" smtClean="0"/>
-              <a:t>)</a:t>
-            </a:r>
-          </a:p>
-          <a:p>
-            <a:pPr>
-              <a:buNone/>
-            </a:pPr>
-            <a:r>
-              <a:rPr lang="en-US" sz="2400" dirty="0" smtClean="0"/>
-              <a:t>@Target(</a:t>
-            </a:r>
-            <a:r>
-              <a:rPr lang="en-US" sz="2400" dirty="0" err="1" smtClean="0"/>
-              <a:t>ElementType.METHOD</a:t>
-            </a:r>
-            <a:r>
-              <a:rPr lang="en-US" sz="2400" dirty="0" smtClean="0"/>
-              <a:t>) </a:t>
-            </a:r>
-          </a:p>
-          <a:p>
-            <a:pPr>
-              <a:buNone/>
-            </a:pPr>
-            <a:r>
-              <a:rPr lang="en-US" sz="2400" b="1" dirty="0" smtClean="0"/>
-              <a:t>public</a:t>
-            </a:r>
-            <a:r>
-              <a:rPr lang="en-US" sz="2400" dirty="0" smtClean="0"/>
-              <a:t> @</a:t>
-            </a:r>
-            <a:r>
-              <a:rPr lang="en-US" sz="2400" b="1" dirty="0" smtClean="0"/>
-              <a:t>interface</a:t>
-            </a:r>
-            <a:r>
-              <a:rPr lang="en-US" sz="2400" dirty="0" smtClean="0"/>
-              <a:t> </a:t>
-            </a:r>
-            <a:r>
-              <a:rPr lang="en-US" sz="2400" dirty="0" err="1" smtClean="0"/>
-              <a:t>MyAnnotation</a:t>
-            </a:r>
-            <a:r>
-              <a:rPr lang="en-US" sz="2400" dirty="0" smtClean="0"/>
-              <a:t>{   </a:t>
-            </a:r>
-          </a:p>
-          <a:p>
-            <a:pPr>
-              <a:buNone/>
-            </a:pPr>
-            <a:r>
-              <a:rPr lang="en-US" sz="2400" b="1" dirty="0" smtClean="0"/>
-              <a:t>		String </a:t>
-            </a:r>
-            <a:r>
-              <a:rPr lang="en-US" sz="2400" b="1" dirty="0" err="1" smtClean="0"/>
-              <a:t>someValue</a:t>
-            </a:r>
-            <a:r>
-              <a:rPr lang="en-US" sz="2400" dirty="0" smtClean="0"/>
-              <a:t>;   </a:t>
-            </a:r>
-          </a:p>
-          <a:p>
-            <a:pPr>
-              <a:buNone/>
-            </a:pPr>
-            <a:r>
-              <a:rPr lang="en-US" sz="2400" dirty="0" smtClean="0"/>
-              <a:t>}</a:t>
-            </a:r>
-            <a:endParaRPr lang="ro-RO" sz="2400" b="1" dirty="0" smtClean="0"/>
-          </a:p>
-          <a:p>
-            <a:endParaRPr lang="en-US" sz="2400" dirty="0" smtClean="0"/>
-          </a:p>
-          <a:p>
-            <a:pPr>
-              <a:buNone/>
-            </a:pPr>
-            <a:r>
-              <a:rPr lang="en-US" sz="2400" dirty="0" smtClean="0"/>
-              <a:t>@ </a:t>
-            </a:r>
-            <a:r>
-              <a:rPr lang="en-US" sz="2400" dirty="0" err="1" smtClean="0"/>
-              <a:t>MyAnnotation</a:t>
-            </a:r>
-            <a:r>
-              <a:rPr lang="en-US" sz="2400" dirty="0" smtClean="0"/>
-              <a:t> (</a:t>
-            </a:r>
-            <a:r>
-              <a:rPr lang="en-US" sz="2400" b="1" dirty="0" err="1" smtClean="0"/>
-              <a:t>someValue</a:t>
-            </a:r>
-            <a:r>
-              <a:rPr lang="en-US" sz="2400" dirty="0" smtClean="0"/>
-              <a:t> = </a:t>
-            </a:r>
-            <a:r>
-              <a:rPr lang="en-US" sz="2400" b="1" dirty="0" smtClean="0"/>
-              <a:t>“test”</a:t>
-            </a:r>
-            <a:r>
-              <a:rPr lang="en-US" sz="2400" dirty="0" smtClean="0"/>
-              <a:t>) </a:t>
-            </a:r>
-          </a:p>
-          <a:p>
-            <a:pPr>
-              <a:buNone/>
-            </a:pPr>
-            <a:r>
-              <a:rPr lang="en-US" sz="2400" b="1" dirty="0" smtClean="0"/>
-              <a:t>void</a:t>
-            </a:r>
-            <a:r>
-              <a:rPr lang="en-US" sz="2400" dirty="0" smtClean="0"/>
-              <a:t> </a:t>
-            </a:r>
-            <a:r>
-              <a:rPr lang="en-US" sz="2400" dirty="0" err="1" smtClean="0"/>
-              <a:t>myMethod</a:t>
-            </a:r>
-            <a:r>
-              <a:rPr lang="en-US" sz="2400" dirty="0" smtClean="0"/>
-              <a:t>() { </a:t>
-            </a:r>
-          </a:p>
-          <a:p>
-            <a:pPr>
-              <a:buNone/>
-            </a:pPr>
-            <a:r>
-              <a:rPr lang="en-US" sz="2400" dirty="0" smtClean="0"/>
-              <a:t>…</a:t>
-            </a:r>
-          </a:p>
-          <a:p>
-            <a:pPr>
-              <a:buNone/>
-            </a:pPr>
-            <a:r>
-              <a:rPr lang="en-US" sz="2400" dirty="0" smtClean="0"/>
-              <a:t>}</a:t>
-            </a:r>
-            <a:endParaRPr lang="ro-RO" sz="2400" dirty="0" smtClean="0"/>
-          </a:p>
-          <a:p>
-            <a:endParaRPr lang="ro-RO" dirty="0"/>
+            <a:r>
+              <a:rPr lang="ro-RO" sz="2800" b="1" dirty="0" smtClean="0"/>
+              <a:t>Class Annotations</a:t>
+            </a:r>
+            <a:endParaRPr lang="en-US" sz="2800" b="1" dirty="0" smtClean="0"/>
+          </a:p>
+          <a:p>
+            <a:endParaRPr lang="ro-RO" sz="2800" b="1" dirty="0" smtClean="0"/>
+          </a:p>
+          <a:p>
+            <a:r>
+              <a:rPr lang="ro-RO" sz="2800" b="1" dirty="0" smtClean="0"/>
+              <a:t>Method Annotations</a:t>
+            </a:r>
+            <a:endParaRPr lang="en-US" sz="2800" b="1" dirty="0" smtClean="0"/>
+          </a:p>
+          <a:p>
+            <a:endParaRPr lang="ro-RO" sz="2800" b="1" dirty="0" smtClean="0"/>
+          </a:p>
+          <a:p>
+            <a:r>
+              <a:rPr lang="ro-RO" sz="2800" b="1" dirty="0" smtClean="0"/>
+              <a:t>Parameter Annotations</a:t>
+            </a:r>
+            <a:endParaRPr lang="en-US" sz="2800" b="1" dirty="0" smtClean="0"/>
+          </a:p>
+          <a:p>
+            <a:endParaRPr lang="en-US" sz="2800" b="1" dirty="0" smtClean="0"/>
+          </a:p>
+          <a:p>
+            <a:r>
+              <a:rPr lang="ro-RO" sz="2800" b="1" dirty="0" smtClean="0"/>
+              <a:t>Field Annotations</a:t>
+            </a:r>
           </a:p>
         </p:txBody>
       </p:sp>
@@ -4396,7 +4552,7 @@
           <a:p>
             <a:r>
               <a:rPr lang="en-US" dirty="0" smtClean="0"/>
-              <a:t>Annotations &amp; Reflection</a:t>
+              <a:t>Annotations - example</a:t>
             </a:r>
             <a:endParaRPr lang="ro-RO" dirty="0"/>
           </a:p>
@@ -4421,59 +4577,166 @@
               <a:buNone/>
             </a:pPr>
             <a:r>
-              <a:rPr lang="en-US" sz="3200" dirty="0" smtClean="0"/>
-              <a:t>Class/Method/Constructor/Field:</a:t>
-            </a:r>
-          </a:p>
-          <a:p>
-            <a:endParaRPr lang="en-US" sz="3200" dirty="0" smtClean="0"/>
-          </a:p>
-          <a:p>
-            <a:r>
-              <a:rPr lang="en-US" sz="3200" dirty="0" smtClean="0"/>
-              <a:t>.</a:t>
-            </a:r>
-            <a:r>
-              <a:rPr lang="ro-RO" sz="3200" dirty="0" smtClean="0"/>
-              <a:t>getDeclaredAnnotations();</a:t>
-            </a:r>
-            <a:endParaRPr lang="en-US" sz="3200" dirty="0" smtClean="0"/>
-          </a:p>
-          <a:p>
-            <a:r>
-              <a:rPr lang="en-US" sz="3200" dirty="0" smtClean="0"/>
-              <a:t>.</a:t>
-            </a:r>
-            <a:r>
-              <a:rPr lang="en-US" sz="3200" dirty="0" err="1" smtClean="0"/>
-              <a:t>getAnnotations</a:t>
-            </a:r>
-            <a:r>
-              <a:rPr lang="en-US" sz="3200" dirty="0" smtClean="0"/>
-              <a:t>();</a:t>
-            </a:r>
-          </a:p>
-          <a:p>
-            <a:r>
-              <a:rPr lang="en-US" sz="3200" dirty="0" smtClean="0"/>
-              <a:t>.</a:t>
-            </a:r>
-            <a:r>
-              <a:rPr lang="en-US" sz="3200" dirty="0" err="1" smtClean="0"/>
-              <a:t>getAnnotation</a:t>
-            </a:r>
-            <a:r>
-              <a:rPr lang="en-US" sz="3200" dirty="0" smtClean="0"/>
-              <a:t>(</a:t>
-            </a:r>
-            <a:r>
-              <a:rPr lang="en-US" sz="3200" dirty="0" err="1" smtClean="0"/>
-              <a:t>SomeAnnotationClass</a:t>
-            </a:r>
-            <a:r>
-              <a:rPr lang="en-US" sz="3200" dirty="0" smtClean="0"/>
-              <a:t>);</a:t>
-            </a:r>
+              <a:rPr lang="en-US" sz="2400" dirty="0" smtClean="0"/>
+              <a:t>@Retention(</a:t>
+            </a:r>
+            <a:r>
+              <a:rPr lang="en-US" sz="2400" dirty="0" err="1" smtClean="0"/>
+              <a:t>RetentionPolicy.RUNTIME</a:t>
+            </a:r>
+            <a:r>
+              <a:rPr lang="en-US" sz="2400" dirty="0" smtClean="0"/>
+              <a:t>)</a:t>
+            </a:r>
+          </a:p>
+          <a:p>
+            <a:pPr>
+              <a:buNone/>
+            </a:pPr>
+            <a:r>
+              <a:rPr lang="en-US" sz="2400" dirty="0" smtClean="0"/>
+              <a:t>@Target(</a:t>
+            </a:r>
+            <a:r>
+              <a:rPr lang="en-US" sz="2400" dirty="0" err="1" smtClean="0"/>
+              <a:t>ElementType.METHOD</a:t>
+            </a:r>
+            <a:r>
+              <a:rPr lang="en-US" sz="2400" dirty="0" smtClean="0"/>
+              <a:t>) </a:t>
+            </a:r>
+          </a:p>
+          <a:p>
+            <a:pPr>
+              <a:buNone/>
+            </a:pPr>
+            <a:r>
+              <a:rPr lang="en-US" sz="2400" b="1" dirty="0" smtClean="0"/>
+              <a:t>public</a:t>
+            </a:r>
+            <a:r>
+              <a:rPr lang="en-US" sz="2400" dirty="0" smtClean="0"/>
+              <a:t> @</a:t>
+            </a:r>
+            <a:r>
+              <a:rPr lang="en-US" sz="2400" b="1" dirty="0" smtClean="0"/>
+              <a:t>interface</a:t>
+            </a:r>
+            <a:r>
+              <a:rPr lang="en-US" sz="2400" dirty="0" smtClean="0"/>
+              <a:t> </a:t>
+            </a:r>
+            <a:r>
+              <a:rPr lang="en-US" sz="2400" dirty="0" err="1" smtClean="0"/>
+              <a:t>MyAnnotation</a:t>
+            </a:r>
+            <a:r>
+              <a:rPr lang="en-US" sz="2400" dirty="0" smtClean="0"/>
+              <a:t>{   </a:t>
+            </a:r>
+          </a:p>
+          <a:p>
+            <a:pPr>
+              <a:buNone/>
+            </a:pPr>
+            <a:r>
+              <a:rPr lang="en-US" sz="2400" b="1" dirty="0" smtClean="0"/>
+              <a:t>		String </a:t>
+            </a:r>
+            <a:r>
+              <a:rPr lang="en-US" sz="2400" b="1" dirty="0" err="1" smtClean="0"/>
+              <a:t>someValue</a:t>
+            </a:r>
+            <a:r>
+              <a:rPr lang="en-US" sz="2400" dirty="0" smtClean="0"/>
+              <a:t>;   </a:t>
+            </a:r>
+          </a:p>
+          <a:p>
+            <a:pPr>
+              <a:buNone/>
+            </a:pPr>
+            <a:r>
+              <a:rPr lang="en-US" sz="2400" dirty="0" smtClean="0"/>
+              <a:t>}</a:t>
+            </a:r>
+            <a:endParaRPr lang="ro-RO" sz="2400" b="1" dirty="0" smtClean="0"/>
+          </a:p>
+          <a:p>
+            <a:endParaRPr lang="en-US" sz="2400" dirty="0" smtClean="0"/>
+          </a:p>
+          <a:p>
+            <a:pPr>
+              <a:buNone/>
+            </a:pPr>
+            <a:r>
+              <a:rPr lang="en-US" sz="2400" dirty="0" smtClean="0"/>
+              <a:t>@ </a:t>
+            </a:r>
+            <a:r>
+              <a:rPr lang="en-US" sz="2400" dirty="0" err="1" smtClean="0"/>
+              <a:t>MyAnnotation</a:t>
+            </a:r>
+            <a:r>
+              <a:rPr lang="en-US" sz="2400" dirty="0" smtClean="0"/>
+              <a:t> (</a:t>
+            </a:r>
+            <a:r>
+              <a:rPr lang="en-US" sz="2400" b="1" dirty="0" err="1" smtClean="0"/>
+              <a:t>someValue</a:t>
+            </a:r>
+            <a:r>
+              <a:rPr lang="en-US" sz="2400" dirty="0" smtClean="0"/>
+              <a:t> = </a:t>
+            </a:r>
+            <a:r>
+              <a:rPr lang="en-US" sz="2400" b="1" dirty="0" smtClean="0"/>
+              <a:t>“test”</a:t>
+            </a:r>
+            <a:r>
+              <a:rPr lang="en-US" sz="2400" dirty="0" smtClean="0"/>
+              <a:t>) </a:t>
+            </a:r>
+          </a:p>
+          <a:p>
+            <a:pPr>
+              <a:buNone/>
+            </a:pPr>
+            <a:r>
+              <a:rPr lang="en-US" sz="2400" b="1" dirty="0" smtClean="0"/>
+              <a:t>void</a:t>
+            </a:r>
+            <a:r>
+              <a:rPr lang="en-US" sz="2400" dirty="0" smtClean="0"/>
+              <a:t> </a:t>
+            </a:r>
+            <a:r>
+              <a:rPr lang="en-US" sz="2400" dirty="0" err="1" smtClean="0"/>
+              <a:t>myMethod</a:t>
+            </a:r>
+            <a:r>
+              <a:rPr lang="en-US" sz="2400" dirty="0" smtClean="0"/>
+              <a:t>() { </a:t>
+            </a:r>
+          </a:p>
+          <a:p>
+            <a:pPr>
+              <a:buNone/>
+            </a:pPr>
+            <a:r>
+              <a:rPr lang="en-US" sz="2400" dirty="0" smtClean="0"/>
+              <a:t>…</a:t>
+            </a:r>
+          </a:p>
+          <a:p>
+            <a:pPr>
+              <a:buNone/>
+            </a:pPr>
+            <a:r>
+              <a:rPr lang="en-US" sz="2400" dirty="0" smtClean="0"/>
+              <a:t>}</a:t>
+            </a:r>
+            <a:endParaRPr lang="ro-RO" sz="2400" dirty="0" smtClean="0"/>
           </a:p>
           <a:p>
             <a:endParaRPr lang="ro-RO" dirty="0"/>
@@ -4489,6 +4752,132 @@
 </file>
 
 <file path=ppt/slides/slide18.xml><?xml version="1.0" encoding="utf-8"?>
+<p:sld xmlns:a="http://schemas.openxmlformats.org/drawingml/2006/main" xmlns:r="http://schemas.openxmlformats.org/officeDocument/2006/relationships" xmlns:p="http://schemas.openxmlformats.org/presentationml/2006/main">
+  <p:cSld>
+    <p:spTree>
+      <p:nvGrpSpPr>
+        <p:cNvPr id="1" name=""/>
+        <p:cNvGrpSpPr/>
+        <p:nvPr/>
+      </p:nvGrpSpPr>
+      <p:grpSpPr>
+        <a:xfrm>
+          <a:off x="0" y="0"/>
+          <a:ext cx="0" cy="0"/>
+          <a:chOff x="0" y="0"/>
+          <a:chExt cx="0" cy="0"/>
+        </a:xfrm>
+      </p:grpSpPr>
+      <p:sp>
+        <p:nvSpPr>
+          <p:cNvPr id="2" name="Title 1"/>
+          <p:cNvSpPr>
+            <a:spLocks noGrp="1"/>
+          </p:cNvSpPr>
+          <p:nvPr>
+            <p:ph type="title"/>
+          </p:nvPr>
+        </p:nvSpPr>
+        <p:spPr/>
+        <p:txBody>
+          <a:bodyPr/>
+          <a:lstStyle/>
+          <a:p>
+            <a:r>
+              <a:rPr lang="en-US" dirty="0" smtClean="0"/>
+              <a:t>Annotations &amp; Reflection</a:t>
+            </a:r>
+            <a:endParaRPr lang="ro-RO" dirty="0"/>
+          </a:p>
+        </p:txBody>
+      </p:sp>
+      <p:sp>
+        <p:nvSpPr>
+          <p:cNvPr id="3" name="Content Placeholder 2"/>
+          <p:cNvSpPr>
+            <a:spLocks noGrp="1"/>
+          </p:cNvSpPr>
+          <p:nvPr>
+            <p:ph idx="1"/>
+          </p:nvPr>
+        </p:nvSpPr>
+        <p:spPr/>
+        <p:txBody>
+          <a:bodyPr/>
+          <a:lstStyle/>
+          <a:p>
+            <a:pPr>
+              <a:buNone/>
+            </a:pPr>
+            <a:r>
+              <a:rPr lang="en-US" sz="3200" dirty="0" smtClean="0"/>
+              <a:t>Class/Method/Constructor/Field:</a:t>
+            </a:r>
+          </a:p>
+          <a:p>
+            <a:endParaRPr lang="en-US" sz="3200" dirty="0" smtClean="0"/>
+          </a:p>
+          <a:p>
+            <a:r>
+              <a:rPr lang="en-US" sz="3200" dirty="0" smtClean="0"/>
+              <a:t>.</a:t>
+            </a:r>
+            <a:r>
+              <a:rPr lang="ro-RO" sz="3200" dirty="0" smtClean="0"/>
+              <a:t>getDeclaredAnnotations();</a:t>
+            </a:r>
+            <a:endParaRPr lang="en-US" sz="3200" dirty="0" smtClean="0"/>
+          </a:p>
+          <a:p>
+            <a:r>
+              <a:rPr lang="en-US" sz="3200" dirty="0" smtClean="0"/>
+              <a:t>.</a:t>
+            </a:r>
+            <a:r>
+              <a:rPr lang="en-US" sz="3200" dirty="0" err="1" smtClean="0"/>
+              <a:t>getAnnotations</a:t>
+            </a:r>
+            <a:r>
+              <a:rPr lang="en-US" sz="3200" dirty="0" smtClean="0"/>
+              <a:t>();</a:t>
+            </a:r>
+          </a:p>
+          <a:p>
+            <a:r>
+              <a:rPr lang="en-US" sz="3200" dirty="0" smtClean="0"/>
+              <a:t>.</a:t>
+            </a:r>
+            <a:r>
+              <a:rPr lang="en-US" sz="3200" dirty="0" err="1" smtClean="0"/>
+              <a:t>getAnnotation</a:t>
+            </a:r>
+            <a:r>
+              <a:rPr lang="en-US" sz="3200" dirty="0" smtClean="0"/>
+              <a:t>(</a:t>
+            </a:r>
+            <a:r>
+              <a:rPr lang="en-US" sz="3200" dirty="0" err="1" smtClean="0"/>
+              <a:t>SomeAnnotationClass</a:t>
+            </a:r>
+            <a:r>
+              <a:rPr lang="en-US" sz="3200" dirty="0" smtClean="0"/>
+              <a:t>);</a:t>
+            </a:r>
+          </a:p>
+          <a:p>
+            <a:endParaRPr lang="ro-RO" dirty="0"/>
+          </a:p>
+        </p:txBody>
+      </p:sp>
+    </p:spTree>
+  </p:cSld>
+  <p:clrMapOvr>
+    <a:masterClrMapping/>
+  </p:clrMapOvr>
+</p:sld>
+</file>
+
+<file path=ppt/slides/slide19.xml><?xml version="1.0" encoding="utf-8"?>
 <p:sld xmlns:a="http://schemas.openxmlformats.org/drawingml/2006/main" xmlns:r="http://schemas.openxmlformats.org/officeDocument/2006/relationships" xmlns:p="http://schemas.openxmlformats.org/presentationml/2006/main">
   <p:cSld>
     <p:spTree>
@@ -4861,8 +5250,8 @@
           <a:lstStyle/>
           <a:p>
             <a:r>
-              <a:rPr lang="ro-RO" dirty="0" smtClean="0"/>
-              <a:t>Drawbacks of Reflection</a:t>
+              <a:rPr lang="en-US" b="0" dirty="0" smtClean="0"/>
+              <a:t>Why do we need reflection?</a:t>
             </a:r>
             <a:endParaRPr lang="ro-RO" dirty="0"/>
           </a:p>
@@ -4883,56 +5272,55 @@
           <a:bodyPr/>
           <a:lstStyle/>
           <a:p>
-            <a:r>
-              <a:rPr lang="en-US" b="1" dirty="0" smtClean="0"/>
-              <a:t>Performance Overhead</a:t>
-            </a:r>
-          </a:p>
-          <a:p>
-            <a:pPr lvl="1"/>
-            <a:r>
-              <a:rPr lang="en-US" dirty="0" smtClean="0"/>
-              <a:t> Because reflection involves types that are dynamically resolved, certain JVM optimizations can not be performed. Consequently, reflective operations have slower performance than their non-reflective counterparts, and should be avoided in sections of code which are called frequently in performance-sensitive applications.</a:t>
-            </a:r>
-          </a:p>
-          <a:p>
-            <a:pPr lvl="1"/>
-            <a:endParaRPr lang="en-US" dirty="0" smtClean="0"/>
-          </a:p>
-          <a:p>
-            <a:r>
-              <a:rPr lang="en-US" b="1" dirty="0" smtClean="0"/>
-              <a:t>Security Restrictions </a:t>
-            </a:r>
-          </a:p>
-          <a:p>
-            <a:pPr lvl="1"/>
-            <a:r>
-              <a:rPr lang="en-US" dirty="0" smtClean="0"/>
-              <a:t>Reflection requires a runtime permission which may not be present when running under a security manager. </a:t>
-            </a:r>
-          </a:p>
-          <a:p>
-            <a:pPr lvl="1"/>
-            <a:endParaRPr lang="en-US" dirty="0" smtClean="0"/>
-          </a:p>
-          <a:p>
-            <a:r>
-              <a:rPr lang="en-US" b="1" dirty="0" smtClean="0"/>
-              <a:t>Exposure of Internals</a:t>
-            </a:r>
-            <a:r>
-              <a:rPr lang="en-US" dirty="0" smtClean="0"/>
-              <a:t> </a:t>
-            </a:r>
-          </a:p>
-          <a:p>
-            <a:pPr lvl="1"/>
-            <a:r>
-              <a:rPr lang="en-US" dirty="0" smtClean="0"/>
-              <a:t>Since reflection allows code to perform operations that would be illegal in non-reflective code, such as accessing private fields and methods, the use of reflection can result in unexpected side-effects. Reflective code breaks abstractions and therefore may change behavior with upgrades of the platform.</a:t>
-            </a:r>
-            <a:endParaRPr lang="ro-RO" dirty="0" smtClean="0"/>
+            <a:pPr>
+              <a:buNone/>
+            </a:pPr>
+            <a:r>
+              <a:rPr lang="en-US" sz="2800" dirty="0" smtClean="0"/>
+              <a:t>Reflection enables us to:</a:t>
+            </a:r>
+          </a:p>
+          <a:p>
+            <a:pPr>
+              <a:buNone/>
+            </a:pPr>
+            <a:endParaRPr lang="en-US" sz="2800" dirty="0" smtClean="0"/>
+          </a:p>
+          <a:p>
+            <a:r>
+              <a:rPr lang="en-US" sz="2400" dirty="0" smtClean="0"/>
+              <a:t>Examine an object's class at runtime</a:t>
+            </a:r>
+          </a:p>
+          <a:p>
+            <a:r>
+              <a:rPr lang="en-US" sz="2400" dirty="0" smtClean="0"/>
+              <a:t>Construct an object for a class at runtime</a:t>
+            </a:r>
+          </a:p>
+          <a:p>
+            <a:r>
+              <a:rPr lang="en-US" sz="2400" dirty="0" smtClean="0"/>
+              <a:t>Examine a class's field and method at runtime</a:t>
+            </a:r>
+          </a:p>
+          <a:p>
+            <a:r>
+              <a:rPr lang="en-US" sz="2400" dirty="0" smtClean="0"/>
+              <a:t>Invoke any method of an object at runtime</a:t>
+            </a:r>
+          </a:p>
+          <a:p>
+            <a:r>
+              <a:rPr lang="en-US" sz="2400" dirty="0" smtClean="0"/>
+              <a:t>Change accessibility flag of Constructor, Method and Field</a:t>
+            </a:r>
+          </a:p>
+          <a:p>
+            <a:r>
+              <a:rPr lang="en-US" sz="2400" dirty="0" smtClean="0"/>
+              <a:t>etc.</a:t>
+            </a:r>
           </a:p>
           <a:p>
             <a:endParaRPr lang="ro-RO" dirty="0"/>
@@ -4944,13 +5332,6 @@
   <p:clrMapOvr>
     <a:masterClrMapping/>
   </p:clrMapOvr>
-  <p:timing>
-    <p:tnLst>
-      <p:par>
-        <p:cTn id="1" dur="indefinite" restart="never" nodeType="tmRoot"/>
-      </p:par>
-    </p:tnLst>
-  </p:timing>
 </p:sld>
 </file>
 
@@ -4973,7 +5354,7 @@
       </p:grpSpPr>
       <p:sp>
         <p:nvSpPr>
-          <p:cNvPr id="4" name="Title 3"/>
+          <p:cNvPr id="2" name="Title 1"/>
           <p:cNvSpPr>
             <a:spLocks noGrp="1"/>
           </p:cNvSpPr>
@@ -4987,8 +5368,8 @@
           <a:lstStyle/>
           <a:p>
             <a:r>
-              <a:rPr lang="en-US" dirty="0" smtClean="0"/>
-              <a:t>Class object</a:t>
+              <a:rPr lang="ro-RO" dirty="0" smtClean="0"/>
+              <a:t>Drawbacks of Reflection</a:t>
             </a:r>
             <a:endParaRPr lang="ro-RO" dirty="0"/>
           </a:p>
@@ -4996,12 +5377,12 @@
       </p:sp>
       <p:sp>
         <p:nvSpPr>
-          <p:cNvPr id="5" name="Text Placeholder 4"/>
+          <p:cNvPr id="3" name="Content Placeholder 2"/>
           <p:cNvSpPr>
             <a:spLocks noGrp="1"/>
           </p:cNvSpPr>
           <p:nvPr>
-            <p:ph type="body" idx="1"/>
+            <p:ph idx="1"/>
           </p:nvPr>
         </p:nvSpPr>
         <p:spPr/>
@@ -5010,9 +5391,57 @@
           <a:lstStyle/>
           <a:p>
             <a:r>
+              <a:rPr lang="en-US" b="1" dirty="0" smtClean="0"/>
+              <a:t>Performance Overhead</a:t>
+            </a:r>
+          </a:p>
+          <a:p>
+            <a:pPr lvl="1"/>
+            <a:r>
               <a:rPr lang="en-US" dirty="0" smtClean="0"/>
-              <a:t>2</a:t>
-            </a:r>
+              <a:t> Because reflection involves types that are dynamically resolved, certain JVM optimizations can not be performed. Consequently, reflective operations have slower performance than their non-reflective counterparts, and should be avoided in sections of code which are called frequently in performance-sensitive applications.</a:t>
+            </a:r>
+          </a:p>
+          <a:p>
+            <a:pPr lvl="1"/>
+            <a:endParaRPr lang="en-US" dirty="0" smtClean="0"/>
+          </a:p>
+          <a:p>
+            <a:r>
+              <a:rPr lang="en-US" b="1" dirty="0" smtClean="0"/>
+              <a:t>Security Restrictions </a:t>
+            </a:r>
+          </a:p>
+          <a:p>
+            <a:pPr lvl="1"/>
+            <a:r>
+              <a:rPr lang="en-US" dirty="0" smtClean="0"/>
+              <a:t>Reflection requires a runtime permission which may not be present when running under a security manager. </a:t>
+            </a:r>
+          </a:p>
+          <a:p>
+            <a:pPr lvl="1"/>
+            <a:endParaRPr lang="en-US" dirty="0" smtClean="0"/>
+          </a:p>
+          <a:p>
+            <a:r>
+              <a:rPr lang="en-US" b="1" dirty="0" smtClean="0"/>
+              <a:t>Exposure of Internals</a:t>
+            </a:r>
+            <a:r>
+              <a:rPr lang="en-US" dirty="0" smtClean="0"/>
+              <a:t> </a:t>
+            </a:r>
+          </a:p>
+          <a:p>
+            <a:pPr lvl="1"/>
+            <a:r>
+              <a:rPr lang="en-US" dirty="0" smtClean="0"/>
+              <a:t>Since reflection allows code to perform operations that would be illegal in non-reflective code, such as accessing private fields and methods, the use of reflection can result in unexpected side-effects. Reflective code breaks abstractions and therefore may change behavior with upgrades of the platform.</a:t>
+            </a:r>
+            <a:endParaRPr lang="ro-RO" dirty="0" smtClean="0"/>
+          </a:p>
+          <a:p>
             <a:endParaRPr lang="ro-RO" dirty="0"/>
           </a:p>
         </p:txBody>
@@ -5065,8 +5494,8 @@
           <a:lstStyle/>
           <a:p>
             <a:r>
-              <a:rPr lang="ro-RO" dirty="0" smtClean="0"/>
-              <a:t>Retrieving Class Objects</a:t>
+              <a:rPr lang="en-US" dirty="0" smtClean="0"/>
+              <a:t>Class object</a:t>
             </a:r>
             <a:endParaRPr lang="ro-RO" dirty="0"/>
           </a:p>
@@ -5074,12 +5503,12 @@
       </p:sp>
       <p:sp>
         <p:nvSpPr>
-          <p:cNvPr id="5" name="Content Placeholder 4"/>
+          <p:cNvPr id="5" name="Text Placeholder 4"/>
           <p:cNvSpPr>
             <a:spLocks noGrp="1"/>
           </p:cNvSpPr>
           <p:nvPr>
-            <p:ph idx="1"/>
+            <p:ph type="body" idx="1"/>
           </p:nvPr>
         </p:nvSpPr>
         <p:spPr/>
@@ -5088,11 +5517,9 @@
           <a:lstStyle/>
           <a:p>
             <a:r>
-              <a:rPr lang="ro-RO" sz="3600" dirty="0" smtClean="0"/>
-              <a:t>ClassReflectionDemo</a:t>
-            </a:r>
-          </a:p>
-          <a:p>
+              <a:rPr lang="en-US" dirty="0" smtClean="0"/>
+              <a:t>2</a:t>
+            </a:r>
             <a:endParaRPr lang="ro-RO" dirty="0"/>
           </a:p>
         </p:txBody>
@@ -5146,7 +5573,7 @@
           <a:p>
             <a:r>
               <a:rPr lang="ro-RO" dirty="0" smtClean="0"/>
-              <a:t>Discovering Class Members</a:t>
+              <a:t>Retrieving Class Objects</a:t>
             </a:r>
             <a:endParaRPr lang="ro-RO" dirty="0"/>
           </a:p>
@@ -5154,12 +5581,12 @@
       </p:sp>
       <p:sp>
         <p:nvSpPr>
-          <p:cNvPr id="5" name="Text Placeholder 4"/>
+          <p:cNvPr id="5" name="Content Placeholder 4"/>
           <p:cNvSpPr>
             <a:spLocks noGrp="1"/>
           </p:cNvSpPr>
           <p:nvPr>
-            <p:ph type="body" idx="1"/>
+            <p:ph idx="1"/>
           </p:nvPr>
         </p:nvSpPr>
         <p:spPr/>
@@ -5168,9 +5595,11 @@
           <a:lstStyle/>
           <a:p>
             <a:r>
-              <a:rPr lang="en-US" dirty="0" smtClean="0"/>
-              <a:t>3</a:t>
-            </a:r>
+              <a:rPr lang="ro-RO" sz="3600" dirty="0" smtClean="0"/>
+              <a:t>ClassReflectionDemo</a:t>
+            </a:r>
+          </a:p>
+          <a:p>
             <a:endParaRPr lang="ro-RO" dirty="0"/>
           </a:p>
         </p:txBody>
@@ -5219,368 +5648,40 @@
         </p:nvSpPr>
         <p:spPr/>
         <p:txBody>
-          <a:bodyPr>
-            <a:normAutofit fontScale="90000"/>
-          </a:bodyPr>
+          <a:bodyPr/>
           <a:lstStyle/>
           <a:p>
             <a:r>
               <a:rPr lang="ro-RO" dirty="0" smtClean="0"/>
               <a:t>Discovering Class Members</a:t>
             </a:r>
-            <a:r>
-              <a:rPr lang="en-US" dirty="0" smtClean="0"/>
-              <a:t/>
-            </a:r>
-            <a:br>
-              <a:rPr lang="en-US" dirty="0" smtClean="0"/>
-            </a:br>
-            <a:r>
-              <a:rPr lang="en-US" sz="2000" dirty="0" smtClean="0"/>
-              <a:t>Class Methods for Locating Fields</a:t>
-            </a:r>
-            <a:endParaRPr lang="ro-RO" sz="2000" dirty="0"/>
+            <a:endParaRPr lang="ro-RO" dirty="0"/>
           </a:p>
         </p:txBody>
       </p:sp>
-      <p:graphicFrame>
-        <p:nvGraphicFramePr>
-          <p:cNvPr id="6" name="Content Placeholder 5"/>
-          <p:cNvGraphicFramePr>
-            <a:graphicFrameLocks noGrp="1"/>
-          </p:cNvGraphicFramePr>
+      <p:sp>
+        <p:nvSpPr>
+          <p:cNvPr id="5" name="Text Placeholder 4"/>
+          <p:cNvSpPr>
+            <a:spLocks noGrp="1"/>
+          </p:cNvSpPr>
           <p:nvPr>
-            <p:ph idx="1"/>
+            <p:ph type="body" idx="1"/>
           </p:nvPr>
-        </p:nvGraphicFramePr>
-        <p:xfrm>
-          <a:off x="720725" y="2208810"/>
-          <a:ext cx="7704140" cy="2286000"/>
-        </p:xfrm>
-        <a:graphic>
-          <a:graphicData uri="http://schemas.openxmlformats.org/drawingml/2006/table">
-            <a:tbl>
-              <a:tblPr firstRow="1" bandRow="1">
-                <a:tableStyleId>{5C22544A-7EE6-4342-B048-85BDC9FD1C3A}</a:tableStyleId>
-              </a:tblPr>
-              <a:tblGrid>
-                <a:gridCol w="2509363"/>
-                <a:gridCol w="1710047"/>
-                <a:gridCol w="1757548"/>
-                <a:gridCol w="1727182"/>
-              </a:tblGrid>
-              <a:tr h="370840">
-                <a:tc>
-                  <a:txBody>
-                    <a:bodyPr/>
-                    <a:lstStyle/>
-                    <a:p>
-                      <a:r>
-                        <a:rPr lang="ro-RO" sz="2000" b="1" kern="1200" dirty="0">
-                          <a:solidFill>
-                            <a:schemeClr val="bg1"/>
-                          </a:solidFill>
-                          <a:latin typeface="+mn-lt"/>
-                          <a:ea typeface="+mn-ea"/>
-                          <a:cs typeface="+mn-cs"/>
-                          <a:hlinkClick r:id="rId2"/>
-                        </a:rPr>
-                        <a:t>Class</a:t>
-                      </a:r>
-                      <a:r>
-                        <a:rPr lang="ro-RO" sz="2000" dirty="0"/>
-                        <a:t> API</a:t>
-                      </a:r>
-                    </a:p>
-                  </a:txBody>
-                  <a:tcPr anchor="ctr"/>
-                </a:tc>
-                <a:tc>
-                  <a:txBody>
-                    <a:bodyPr/>
-                    <a:lstStyle/>
-                    <a:p>
-                      <a:r>
-                        <a:rPr lang="ro-RO" sz="2000" dirty="0"/>
-                        <a:t>List of members?</a:t>
-                      </a:r>
-                    </a:p>
-                  </a:txBody>
-                  <a:tcPr anchor="ctr"/>
-                </a:tc>
-                <a:tc>
-                  <a:txBody>
-                    <a:bodyPr/>
-                    <a:lstStyle/>
-                    <a:p>
-                      <a:r>
-                        <a:rPr lang="ro-RO" sz="2000" dirty="0"/>
-                        <a:t>Inherited members?</a:t>
-                      </a:r>
-                    </a:p>
-                  </a:txBody>
-                  <a:tcPr anchor="ctr"/>
-                </a:tc>
-                <a:tc>
-                  <a:txBody>
-                    <a:bodyPr/>
-                    <a:lstStyle/>
-                    <a:p>
-                      <a:r>
-                        <a:rPr lang="ro-RO" sz="2000" dirty="0"/>
-                        <a:t>Private members? </a:t>
-                      </a:r>
-                    </a:p>
-                  </a:txBody>
-                  <a:tcPr anchor="ctr"/>
-                </a:tc>
-              </a:tr>
-              <a:tr h="370840">
-                <a:tc>
-                  <a:txBody>
-                    <a:bodyPr/>
-                    <a:lstStyle/>
-                    <a:p>
-                      <a:r>
-                        <a:rPr lang="ro-RO" sz="2000" dirty="0">
-                          <a:hlinkClick r:id="rId2"/>
-                        </a:rPr>
-                        <a:t>getDeclaredField()</a:t>
-                      </a:r>
-                      <a:endParaRPr lang="ro-RO" sz="2000" dirty="0"/>
-                    </a:p>
-                  </a:txBody>
-                  <a:tcPr anchor="ctr"/>
-                </a:tc>
-                <a:tc>
-                  <a:txBody>
-                    <a:bodyPr/>
-                    <a:lstStyle/>
-                    <a:p>
-                      <a:pPr algn="ctr"/>
-                      <a:r>
-                        <a:rPr lang="ro-RO" sz="2000" dirty="0"/>
-                        <a:t>no</a:t>
-                      </a:r>
-                    </a:p>
-                  </a:txBody>
-                  <a:tcPr anchor="ctr"/>
-                </a:tc>
-                <a:tc>
-                  <a:txBody>
-                    <a:bodyPr/>
-                    <a:lstStyle/>
-                    <a:p>
-                      <a:pPr algn="ctr"/>
-                      <a:r>
-                        <a:rPr lang="ro-RO" sz="2000"/>
-                        <a:t>no</a:t>
-                      </a:r>
-                    </a:p>
-                  </a:txBody>
-                  <a:tcPr anchor="ctr"/>
-                </a:tc>
-                <a:tc>
-                  <a:txBody>
-                    <a:bodyPr/>
-                    <a:lstStyle/>
-                    <a:p>
-                      <a:pPr algn="ctr"/>
-                      <a:r>
-                        <a:rPr lang="ro-RO" sz="2000"/>
-                        <a:t>yes</a:t>
-                      </a:r>
-                    </a:p>
-                  </a:txBody>
-                  <a:tcPr anchor="ctr"/>
-                </a:tc>
-              </a:tr>
-              <a:tr h="370840">
-                <a:tc>
-                  <a:txBody>
-                    <a:bodyPr/>
-                    <a:lstStyle/>
-                    <a:p>
-                      <a:r>
-                        <a:rPr lang="ro-RO" sz="2000" dirty="0">
-                          <a:hlinkClick r:id="rId2"/>
-                        </a:rPr>
-                        <a:t>getField()</a:t>
-                      </a:r>
-                      <a:endParaRPr lang="ro-RO" sz="2000" dirty="0"/>
-                    </a:p>
-                  </a:txBody>
-                  <a:tcPr anchor="ctr"/>
-                </a:tc>
-                <a:tc>
-                  <a:txBody>
-                    <a:bodyPr/>
-                    <a:lstStyle/>
-                    <a:p>
-                      <a:pPr algn="ctr"/>
-                      <a:r>
-                        <a:rPr lang="ro-RO" sz="2000" dirty="0"/>
-                        <a:t>no</a:t>
-                      </a:r>
-                    </a:p>
-                  </a:txBody>
-                  <a:tcPr anchor="ctr"/>
-                </a:tc>
-                <a:tc>
-                  <a:txBody>
-                    <a:bodyPr/>
-                    <a:lstStyle/>
-                    <a:p>
-                      <a:pPr algn="ctr"/>
-                      <a:r>
-                        <a:rPr lang="ro-RO" sz="2000"/>
-                        <a:t>yes</a:t>
-                      </a:r>
-                    </a:p>
-                  </a:txBody>
-                  <a:tcPr anchor="ctr"/>
-                </a:tc>
-                <a:tc>
-                  <a:txBody>
-                    <a:bodyPr/>
-                    <a:lstStyle/>
-                    <a:p>
-                      <a:pPr algn="ctr"/>
-                      <a:r>
-                        <a:rPr lang="ro-RO" sz="2000"/>
-                        <a:t>no</a:t>
-                      </a:r>
-                    </a:p>
-                  </a:txBody>
-                  <a:tcPr anchor="ctr"/>
-                </a:tc>
-              </a:tr>
-              <a:tr h="370840">
-                <a:tc>
-                  <a:txBody>
-                    <a:bodyPr/>
-                    <a:lstStyle/>
-                    <a:p>
-                      <a:r>
-                        <a:rPr lang="ro-RO" sz="2000">
-                          <a:hlinkClick r:id="rId2"/>
-                        </a:rPr>
-                        <a:t>getDeclaredFields()</a:t>
-                      </a:r>
-                      <a:endParaRPr lang="ro-RO" sz="2000"/>
-                    </a:p>
-                  </a:txBody>
-                  <a:tcPr anchor="ctr"/>
-                </a:tc>
-                <a:tc>
-                  <a:txBody>
-                    <a:bodyPr/>
-                    <a:lstStyle/>
-                    <a:p>
-                      <a:pPr algn="ctr"/>
-                      <a:r>
-                        <a:rPr lang="ro-RO" sz="2000" dirty="0" smtClean="0"/>
-                        <a:t>Yes</a:t>
-                      </a:r>
-                      <a:endParaRPr lang="ro-RO" sz="2000" dirty="0"/>
-                    </a:p>
-                  </a:txBody>
-                  <a:tcPr anchor="ctr"/>
-                </a:tc>
-                <a:tc>
-                  <a:txBody>
-                    <a:bodyPr/>
-                    <a:lstStyle/>
-                    <a:p>
-                      <a:pPr algn="ctr"/>
-                      <a:r>
-                        <a:rPr lang="ro-RO" sz="2000" dirty="0"/>
-                        <a:t>no</a:t>
-                      </a:r>
-                    </a:p>
-                  </a:txBody>
-                  <a:tcPr anchor="ctr"/>
-                </a:tc>
-                <a:tc>
-                  <a:txBody>
-                    <a:bodyPr/>
-                    <a:lstStyle/>
-                    <a:p>
-                      <a:pPr algn="ctr"/>
-                      <a:r>
-                        <a:rPr lang="ro-RO" sz="2000" dirty="0"/>
-                        <a:t>yes</a:t>
-                      </a:r>
-                    </a:p>
-                  </a:txBody>
-                  <a:tcPr anchor="ctr"/>
-                </a:tc>
-              </a:tr>
-              <a:tr h="370840">
-                <a:tc>
-                  <a:txBody>
-                    <a:bodyPr/>
-                    <a:lstStyle/>
-                    <a:p>
-                      <a:r>
-                        <a:rPr lang="ro-RO" sz="2000" dirty="0">
-                          <a:hlinkClick r:id="rId2"/>
-                        </a:rPr>
-                        <a:t>getFields()</a:t>
-                      </a:r>
-                      <a:endParaRPr lang="ro-RO" sz="2000" dirty="0"/>
-                    </a:p>
-                  </a:txBody>
-                  <a:tcPr anchor="ctr"/>
-                </a:tc>
-                <a:tc>
-                  <a:txBody>
-                    <a:bodyPr/>
-                    <a:lstStyle/>
-                    <a:p>
-                      <a:pPr algn="ctr"/>
-                      <a:r>
-                        <a:rPr lang="ro-RO" sz="2000" dirty="0" smtClean="0"/>
-                        <a:t>Yes</a:t>
-                      </a:r>
-                      <a:endParaRPr lang="ro-RO" sz="2000" dirty="0"/>
-                    </a:p>
-                  </a:txBody>
-                  <a:tcPr anchor="ctr"/>
-                </a:tc>
-                <a:tc>
-                  <a:txBody>
-                    <a:bodyPr/>
-                    <a:lstStyle/>
-                    <a:p>
-                      <a:pPr algn="ctr"/>
-                      <a:r>
-                        <a:rPr lang="ro-RO" sz="2000"/>
-                        <a:t>yes</a:t>
-                      </a:r>
-                    </a:p>
-                  </a:txBody>
-                  <a:tcPr anchor="ctr"/>
-                </a:tc>
-                <a:tc>
-                  <a:txBody>
-                    <a:bodyPr/>
-                    <a:lstStyle/>
-                    <a:p>
-                      <a:pPr algn="ctr"/>
-                      <a:r>
-                        <a:rPr lang="ro-RO" sz="2000" dirty="0"/>
-                        <a:t>no</a:t>
-                      </a:r>
-                    </a:p>
-                  </a:txBody>
-                  <a:tcPr anchor="ctr"/>
-                </a:tc>
-              </a:tr>
-            </a:tbl>
-          </a:graphicData>
-        </a:graphic>
-      </p:graphicFrame>
+        </p:nvSpPr>
+        <p:spPr/>
+        <p:txBody>
+          <a:bodyPr/>
+          <a:lstStyle/>
+          <a:p>
+            <a:r>
+              <a:rPr lang="en-US" dirty="0" smtClean="0"/>
+              <a:t>3</a:t>
+            </a:r>
+            <a:endParaRPr lang="ro-RO" dirty="0"/>
+          </a:p>
+        </p:txBody>
+      </p:sp>
     </p:spTree>
   </p:cSld>
   <p:clrMapOvr>
